--- a/CS-6223/hw/Grad_Project/PrivKV Differential Privacy for Key Value Structured Data.pptx
+++ b/CS-6223/hw/Grad_Project/PrivKV Differential Privacy for Key Value Structured Data.pptx
@@ -231,7 +231,7 @@
           <a:p>
             <a:fld id="{55A702A2-0293-4DD2-A5D0-0806E495B0CA}" type="datetimeFigureOut">
               <a:rPr lang="en-US" smtClean="0"/>
-              <a:t>11/16/2018</a:t>
+              <a:t>11/27/2018</a:t>
             </a:fld>
             <a:endParaRPr lang="en-US"/>
           </a:p>
@@ -409,7 +409,7 @@
           <a:p>
             <a:fld id="{D22C654D-04F9-4482-BE2C-C5182A860B06}" type="datetimeFigureOut">
               <a:rPr lang="en-US" smtClean="0"/>
-              <a:t>11/16/2018</a:t>
+              <a:t>11/27/2018</a:t>
             </a:fld>
             <a:endParaRPr lang="en-US"/>
           </a:p>
@@ -1848,7 +1848,7 @@
           <a:p>
             <a:fld id="{69A9BE38-773C-48B5-BC1D-045D898531B3}" type="datetime1">
               <a:rPr lang="en-US" smtClean="0"/>
-              <a:t>11/16/2018</a:t>
+              <a:t>11/27/2018</a:t>
             </a:fld>
             <a:endParaRPr lang="en-US"/>
           </a:p>
@@ -2052,7 +2052,7 @@
           <a:p>
             <a:fld id="{185B4BD7-CF1B-473A-B6A3-11BB0C6567C2}" type="datetime1">
               <a:rPr lang="en-US" smtClean="0"/>
-              <a:t>11/16/2018</a:t>
+              <a:t>11/27/2018</a:t>
             </a:fld>
             <a:endParaRPr lang="en-US"/>
           </a:p>
@@ -2266,7 +2266,7 @@
           <a:p>
             <a:fld id="{286D2894-6718-4E20-8F2D-3CCD61F8E669}" type="datetime1">
               <a:rPr lang="en-US" smtClean="0"/>
-              <a:t>11/16/2018</a:t>
+              <a:t>11/27/2018</a:t>
             </a:fld>
             <a:endParaRPr lang="en-US" dirty="0"/>
           </a:p>
@@ -2508,7 +2508,7 @@
           <a:p>
             <a:fld id="{448BD83F-FFE9-4299-98B4-61F46144EB70}" type="datetime1">
               <a:rPr lang="en-US" smtClean="0"/>
-              <a:t>11/16/2018</a:t>
+              <a:t>11/27/2018</a:t>
             </a:fld>
             <a:endParaRPr lang="en-US"/>
           </a:p>
@@ -2804,7 +2804,7 @@
           <a:p>
             <a:fld id="{EA9DAA4B-1450-4774-97A4-B88638E16613}" type="datetime1">
               <a:rPr lang="en-US" smtClean="0"/>
-              <a:t>11/16/2018</a:t>
+              <a:t>11/27/2018</a:t>
             </a:fld>
             <a:endParaRPr lang="en-US" dirty="0"/>
           </a:p>
@@ -3097,7 +3097,7 @@
           <a:p>
             <a:fld id="{C7B4E5FE-3717-456E-94AF-8A177C4455CC}" type="datetime1">
               <a:rPr lang="en-US" smtClean="0"/>
-              <a:t>11/16/2018</a:t>
+              <a:t>11/27/2018</a:t>
             </a:fld>
             <a:endParaRPr lang="en-US" dirty="0"/>
           </a:p>
@@ -3530,7 +3530,7 @@
           <a:p>
             <a:fld id="{E0E57C35-A9D2-45F8-8C00-45FE6F749437}" type="datetime1">
               <a:rPr lang="en-US" smtClean="0"/>
-              <a:t>11/16/2018</a:t>
+              <a:t>11/27/2018</a:t>
             </a:fld>
             <a:endParaRPr lang="en-US"/>
           </a:p>
@@ -3677,7 +3677,7 @@
           <a:p>
             <a:fld id="{B8B5268D-8E11-46D6-AC65-D1EE25497A5A}" type="datetime1">
               <a:rPr lang="en-US" smtClean="0"/>
-              <a:t>11/16/2018</a:t>
+              <a:t>11/27/2018</a:t>
             </a:fld>
             <a:endParaRPr lang="en-US"/>
           </a:p>
@@ -3797,7 +3797,7 @@
           <a:p>
             <a:fld id="{9CDD4C95-4CEB-4426-862B-56866AE26054}" type="datetime1">
               <a:rPr lang="en-US" smtClean="0"/>
-              <a:t>11/16/2018</a:t>
+              <a:t>11/27/2018</a:t>
             </a:fld>
             <a:endParaRPr lang="en-US" dirty="0"/>
           </a:p>
@@ -4123,7 +4123,7 @@
           <a:p>
             <a:fld id="{6DF0AB15-6371-4114-B6F1-9F2D535AC633}" type="datetime1">
               <a:rPr lang="en-US" smtClean="0"/>
-              <a:t>11/16/2018</a:t>
+              <a:t>11/27/2018</a:t>
             </a:fld>
             <a:endParaRPr lang="en-US"/>
           </a:p>
@@ -4411,7 +4411,7 @@
           <a:p>
             <a:fld id="{36DECB35-346B-462D-8462-D2D246E8B9E0}" type="datetime1">
               <a:rPr lang="en-US" smtClean="0"/>
-              <a:t>11/16/2018</a:t>
+              <a:t>11/27/2018</a:t>
             </a:fld>
             <a:endParaRPr lang="en-US"/>
           </a:p>
@@ -4652,7 +4652,7 @@
           <a:p>
             <a:fld id="{5A594B01-F70C-4C7F-8D01-81FB6DE62B01}" type="datetime1">
               <a:rPr lang="en-US" smtClean="0"/>
-              <a:t>11/16/2018</a:t>
+              <a:t>11/27/2018</a:t>
             </a:fld>
             <a:endParaRPr lang="en-US"/>
           </a:p>
@@ -6709,8 +6709,8 @@
           </a:p>
         </p:txBody>
       </p:sp>
-      <mc:AlternateContent xmlns:mc="http://schemas.openxmlformats.org/markup-compatibility/2006" xmlns:a14="http://schemas.microsoft.com/office/drawing/2010/main">
-        <mc:Choice Requires="a14">
+      <mc:AlternateContent xmlns:mc="http://schemas.openxmlformats.org/markup-compatibility/2006">
+        <mc:Choice xmlns:a14="http://schemas.microsoft.com/office/drawing/2010/main" Requires="a14">
           <p:sp>
             <p:nvSpPr>
               <p:cNvPr id="3" name="Content Placeholder 2">
@@ -6740,21 +6740,21 @@
               <a:lstStyle/>
               <a:p>
                 <a:r>
-                  <a:rPr lang="en-US" sz="1600" dirty="0"/>
+                  <a:rPr lang="en-US" sz="2000" dirty="0"/>
                   <a:t>Combining VPP and </a:t>
                 </a:r>
                 <a:r>
-                  <a:rPr lang="en-US" sz="1600" i="1" dirty="0"/>
+                  <a:rPr lang="en-US" sz="2000" i="1" dirty="0"/>
                   <a:t>Harmony</a:t>
                 </a:r>
                 <a:r>
-                  <a:rPr lang="en-US" sz="1600" dirty="0"/>
+                  <a:rPr lang="en-US" sz="2000" dirty="0"/>
                   <a:t> implementation with privacy budgets to provide (</a:t>
                 </a:r>
                 <a14:m>
                   <m:oMath xmlns:m="http://schemas.openxmlformats.org/officeDocument/2006/math">
                     <m:r>
-                      <a:rPr lang="en-US" sz="1600" i="1">
+                      <a:rPr lang="en-US" sz="2000" i="1">
                         <a:latin typeface="Cambria Math" panose="02040503050406030204" pitchFamily="18" charset="0"/>
                         <a:ea typeface="Cambria Math" panose="02040503050406030204" pitchFamily="18" charset="0"/>
                       </a:rPr>
@@ -6763,32 +6763,40 @@
                   </m:oMath>
                 </a14:m>
                 <a:r>
-                  <a:rPr lang="en-US" sz="1600" dirty="0"/>
+                  <a:rPr lang="en-US" sz="2000" dirty="0"/>
                   <a:t>-LDP).</a:t>
                 </a:r>
               </a:p>
               <a:p>
                 <a:r>
-                  <a:rPr lang="en-US" sz="1600" dirty="0"/>
+                  <a:rPr lang="en-US" sz="2000" dirty="0"/>
                   <a:t>Returns a perturbed KV pair and its index j.</a:t>
                 </a:r>
               </a:p>
               <a:p>
                 <a:r>
-                  <a:rPr lang="en-US" sz="1600" dirty="0"/>
-                  <a:t>If user has the key, then we can perturb the value by VPP and the key by RR.</a:t>
+                  <a:rPr lang="en-US" sz="2000" dirty="0"/>
+                  <a:t>If user has the </a:t>
+                </a:r>
+                <a:r>
+                  <a:rPr lang="en-US" dirty="0"/>
+                  <a:t>key</a:t>
+                </a:r>
+                <a:r>
+                  <a:rPr lang="en-US" sz="2000" dirty="0"/>
+                  <a:t>, then we can perturb the value by VPP and the key by RR.</a:t>
                 </a:r>
               </a:p>
               <a:p>
                 <a:r>
-                  <a:rPr lang="en-US" sz="1600" dirty="0"/>
+                  <a:rPr lang="en-US" sz="2000" dirty="0"/>
                   <a:t>If user does not have the key, we still perturb the value by some random number from [-1,1] (continuous) and the opposite (conjugate) cases and probability of RR. </a:t>
                 </a:r>
               </a:p>
             </p:txBody>
           </p:sp>
         </mc:Choice>
-        <mc:Fallback xmlns="">
+        <mc:Fallback>
           <p:sp>
             <p:nvSpPr>
               <p:cNvPr id="3" name="Content Placeholder 2">
@@ -6813,7 +6821,7 @@
               <a:blipFill>
                 <a:blip r:embed="rId3"/>
                 <a:stretch>
-                  <a:fillRect l="-476" t="-1127" r="-1665"/>
+                  <a:fillRect l="-1070" t="-1610" r="-2378"/>
                 </a:stretch>
               </a:blipFill>
             </p:spPr>
